--- a/topic06/talk-1/BAI.pptx
+++ b/topic06/talk-1/BAI.pptx
@@ -121,7 +121,7 @@
   </p:defaultTextStyle>
   <p:extLst>
     <p:ext uri="{EFAFB233-063F-42B5-8137-9DF3F51BA10A}">
-      <p15:sldGuideLst xmlns:p15="http://schemas.microsoft.com/office/powerpoint/2012/main" xmlns="">
+      <p15:sldGuideLst xmlns="" xmlns:p15="http://schemas.microsoft.com/office/powerpoint/2012/main">
         <p15:guide id="1" orient="horz" pos="2160">
           <p15:clr>
             <a:srgbClr val="A4A3A4"/>
@@ -135,7 +135,7 @@
       </p15:sldGuideLst>
     </p:ext>
     <p:ext uri="{2D200454-40CA-4A62-9FC3-DE9A4176ACB9}">
-      <p15:notesGuideLst xmlns:p15="http://schemas.microsoft.com/office/powerpoint/2012/main" xmlns=""/>
+      <p15:notesGuideLst xmlns="" xmlns:p15="http://schemas.microsoft.com/office/powerpoint/2012/main"/>
     </p:ext>
   </p:extLst>
 </p:presentation>
@@ -223,7 +223,7 @@
           <a:p>
             <a:fld id="{66F332A7-8841-4108-896E-7A167BF10CA9}" type="datetimeFigureOut">
               <a:rPr lang="en-IE" smtClean="0"/>
-              <a:t>13/04/2015</a:t>
+              <a:t>04/04/2016</a:t>
             </a:fld>
             <a:endParaRPr lang="en-IE"/>
           </a:p>
@@ -935,7 +935,7 @@
           <a:p>
             <a:fld id="{B1A36C92-6815-4E04-A839-A18A43E73973}" type="datetime1">
               <a:rPr lang="en-IE" smtClean="0"/>
-              <a:t>13/04/2015</a:t>
+              <a:t>04/04/2016</a:t>
             </a:fld>
             <a:endParaRPr lang="en-IE"/>
           </a:p>
@@ -1573,7 +1573,7 @@
           <a:p>
             <a:fld id="{AD7BBA22-4AD5-4A47-8229-D5BFCFB85B50}" type="datetime1">
               <a:rPr lang="en-IE" smtClean="0"/>
-              <a:t>13/04/2015</a:t>
+              <a:t>04/04/2016</a:t>
             </a:fld>
             <a:endParaRPr lang="en-IE"/>
           </a:p>
@@ -1855,7 +1855,7 @@
           <a:p>
             <a:fld id="{C638ED94-3AD5-4747-A64C-8B4C64046AD0}" type="datetime1">
               <a:rPr lang="en-IE" smtClean="0"/>
-              <a:t>13/04/2015</a:t>
+              <a:t>04/04/2016</a:t>
             </a:fld>
             <a:endParaRPr lang="en-IE"/>
           </a:p>
@@ -2025,7 +2025,7 @@
           <a:p>
             <a:fld id="{028045C6-6EE4-4432-AF83-758A41562887}" type="datetime1">
               <a:rPr lang="en-IE" smtClean="0"/>
-              <a:t>13/04/2015</a:t>
+              <a:t>04/04/2016</a:t>
             </a:fld>
             <a:endParaRPr lang="en-IE"/>
           </a:p>
@@ -2211,7 +2211,7 @@
           <a:p>
             <a:fld id="{E3F168EB-D606-41AD-A62C-0885EEB9BCF5}" type="datetime1">
               <a:rPr lang="en-IE" smtClean="0"/>
-              <a:t>13/04/2015</a:t>
+              <a:t>04/04/2016</a:t>
             </a:fld>
             <a:endParaRPr lang="en-IE"/>
           </a:p>
@@ -2861,7 +2861,7 @@
           <a:p>
             <a:fld id="{EBE146A5-986D-474B-953D-0B5984D9A801}" type="datetime1">
               <a:rPr lang="en-IE" smtClean="0"/>
-              <a:t>13/04/2015</a:t>
+              <a:t>04/04/2016</a:t>
             </a:fld>
             <a:endParaRPr lang="en-IE"/>
           </a:p>
@@ -3292,7 +3292,7 @@
           <a:p>
             <a:fld id="{6DC4F09C-C47D-4FFD-A7A0-5216420F70BA}" type="datetime1">
               <a:rPr lang="en-IE" smtClean="0"/>
-              <a:t>13/04/2015</a:t>
+              <a:t>04/04/2016</a:t>
             </a:fld>
             <a:endParaRPr lang="en-IE"/>
           </a:p>
@@ -3410,7 +3410,7 @@
           <a:p>
             <a:fld id="{BE36D0FB-A6B6-457A-9608-988E89BD7D9D}" type="datetime1">
               <a:rPr lang="en-IE" smtClean="0"/>
-              <a:t>13/04/2015</a:t>
+              <a:t>04/04/2016</a:t>
             </a:fld>
             <a:endParaRPr lang="en-IE"/>
           </a:p>
@@ -3596,7 +3596,7 @@
           <a:p>
             <a:fld id="{4BEB3C43-1E16-40B6-B2CB-B431175C5A02}" type="datetime1">
               <a:rPr lang="en-IE" smtClean="0"/>
-              <a:t>13/04/2015</a:t>
+              <a:t>04/04/2016</a:t>
             </a:fld>
             <a:endParaRPr lang="en-IE"/>
           </a:p>
@@ -3867,7 +3867,7 @@
           <a:p>
             <a:fld id="{918D548E-6F62-46D9-B097-B499E30F5628}" type="datetime1">
               <a:rPr lang="en-IE" smtClean="0"/>
-              <a:t>13/04/2015</a:t>
+              <a:t>04/04/2016</a:t>
             </a:fld>
             <a:endParaRPr lang="en-IE"/>
           </a:p>
@@ -4342,7 +4342,7 @@
           <a:p>
             <a:fld id="{13A2AD5F-134A-4604-B849-A2250386F03B}" type="datetime1">
               <a:rPr lang="en-IE" smtClean="0"/>
-              <a:t>13/04/2015</a:t>
+              <a:t>04/04/2016</a:t>
             </a:fld>
             <a:endParaRPr lang="en-IE"/>
           </a:p>
@@ -4907,7 +4907,7 @@
           <a:p>
             <a:fld id="{10841152-6114-48DC-A61E-A8E742144FE0}" type="datetime1">
               <a:rPr lang="en-IE" smtClean="0"/>
-              <a:t>13/04/2015</a:t>
+              <a:t>04/04/2016</a:t>
             </a:fld>
             <a:endParaRPr lang="en-IE"/>
           </a:p>
@@ -5588,15 +5588,7 @@
           <a:p>
             <a:r>
               <a:rPr lang="en-IE" dirty="0" smtClean="0"/>
-              <a:t>In which order should BA initiatives </a:t>
-            </a:r>
-            <a:r>
-              <a:rPr lang="en-IE" dirty="0" smtClean="0"/>
-              <a:t>be </a:t>
-            </a:r>
-            <a:r>
-              <a:rPr lang="en-IE" dirty="0" smtClean="0"/>
-              <a:t>implemented?</a:t>
+              <a:t>In which order should BA initiatives be implemented?</a:t>
             </a:r>
           </a:p>
           <a:p>
@@ -5608,7 +5600,15 @@
           <a:p>
             <a:r>
               <a:rPr lang="en-IE" dirty="0" smtClean="0"/>
-              <a:t>How should you prioritised BA initiatives?</a:t>
+              <a:t>How should you </a:t>
+            </a:r>
+            <a:r>
+              <a:rPr lang="en-IE" dirty="0" smtClean="0"/>
+              <a:t>prioritise </a:t>
+            </a:r>
+            <a:r>
+              <a:rPr lang="en-IE" dirty="0" smtClean="0"/>
+              <a:t>BA initiatives?</a:t>
             </a:r>
           </a:p>
           <a:p>
@@ -7355,7 +7355,7 @@
   <a:extraClrSchemeLst/>
   <a:extLst>
     <a:ext uri="{05A4C25C-085E-4340-85A3-A5531E510DB2}">
-      <thm15:themeFamily xmlns:thm15="http://schemas.microsoft.com/office/thememl/2012/main" xmlns="" name="analytic" id="{9A28554E-78CD-4F85-AE53-59AAB432ED69}" vid="{CA8F7F4E-8027-487E-91E4-E9646DCEB1B6}"/>
+      <thm15:themeFamily xmlns="" xmlns:thm15="http://schemas.microsoft.com/office/thememl/2012/main" name="analytic" id="{9A28554E-78CD-4F85-AE53-59AAB432ED69}" vid="{CA8F7F4E-8027-487E-91E4-E9646DCEB1B6}"/>
     </a:ext>
   </a:extLst>
 </a:theme>
@@ -7616,7 +7616,7 @@
   <a:extraClrSchemeLst/>
   <a:extLst>
     <a:ext uri="{05A4C25C-085E-4340-85A3-A5531E510DB2}">
-      <thm15:themeFamily xmlns:thm15="http://schemas.microsoft.com/office/thememl/2012/main" xmlns="" name="Office Theme" id="{62F939B6-93AF-4DB8-9C6B-D6C7DFDC589F}" vid="{4A3C46E8-61CC-4603-A589-7422A47A8E4A}"/>
+      <thm15:themeFamily xmlns="" xmlns:thm15="http://schemas.microsoft.com/office/thememl/2012/main" name="Office Theme" id="{62F939B6-93AF-4DB8-9C6B-D6C7DFDC589F}" vid="{4A3C46E8-61CC-4603-A589-7422A47A8E4A}"/>
     </a:ext>
   </a:extLst>
 </a:theme>
